--- a/mips_toporas_tudor.pptx
+++ b/mips_toporas_tudor.pptx
@@ -5,10 +5,10 @@
     <p:sldMasterId id="2147483648" r:id="rId4"/>
   </p:sldMasterIdLst>
   <p:notesMasterIdLst>
-    <p:notesMasterId r:id="rId18"/>
+    <p:notesMasterId r:id="rId19"/>
   </p:notesMasterIdLst>
   <p:handoutMasterIdLst>
-    <p:handoutMasterId r:id="rId19"/>
+    <p:handoutMasterId r:id="rId20"/>
   </p:handoutMasterIdLst>
   <p:sldIdLst>
     <p:sldId id="256" r:id="rId5"/>
@@ -24,12 +24,13 @@
     <p:sldId id="278" r:id="rId15"/>
     <p:sldId id="279" r:id="rId16"/>
     <p:sldId id="280" r:id="rId17"/>
+    <p:sldId id="281" r:id="rId18"/>
   </p:sldIdLst>
   <p:sldSz cx="12192000" cy="6858000"/>
   <p:notesSz cx="6858000" cy="9144000"/>
   <p:defaultTextStyle>
     <a:defPPr rtl="0">
-      <a:defRPr lang="en-gb"/>
+      <a:defRPr lang="en-GB"/>
     </a:defPPr>
     <a:lvl1pPr marL="0" algn="l" defTabSz="457200" rtl="0" eaLnBrk="1" latinLnBrk="0" hangingPunct="1">
       <a:defRPr sz="1800" kern="1200">
@@ -124,7 +125,7 @@
   </p:defaultTextStyle>
   <p:extLst>
     <p:ext uri="{EFAFB233-063F-42B5-8137-9DF3F51BA10A}">
-      <p15:sldGuideLst xmlns:p15="http://schemas.microsoft.com/office/powerpoint/2012/main">
+      <p15:sldGuideLst xmlns:p15="http://schemas.microsoft.com/office/powerpoint/2012/main" xmlns="">
         <p15:guide id="1" orient="horz" pos="2160" userDrawn="1">
           <p15:clr>
             <a:srgbClr val="A4A3A4"/>
@@ -138,7 +139,7 @@
       </p15:sldGuideLst>
     </p:ext>
     <p:ext uri="{2D200454-40CA-4A62-9FC3-DE9A4176ACB9}">
-      <p15:notesGuideLst xmlns:p15="http://schemas.microsoft.com/office/powerpoint/2012/main"/>
+      <p15:notesGuideLst xmlns:p15="http://schemas.microsoft.com/office/powerpoint/2012/main" xmlns=""/>
     </p:ext>
   </p:extLst>
 </p:presentation>
@@ -180,7 +181,7 @@
           <p:cNvPr id="2" name="Header Placeholder 1">
             <a:extLst>
               <a:ext uri="{FF2B5EF4-FFF2-40B4-BE49-F238E27FC236}">
-                <a16:creationId xmlns:a16="http://schemas.microsoft.com/office/drawing/2014/main" id="{C703FB87-790C-4850-A90C-12C5FF4B94DC}"/>
+                <a16:creationId xmlns:a16="http://schemas.microsoft.com/office/drawing/2014/main" xmlns="" id="{C703FB87-790C-4850-A90C-12C5FF4B94DC}"/>
               </a:ext>
             </a:extLst>
           </p:cNvPr>
@@ -218,7 +219,7 @@
           <p:cNvPr id="3" name="Date Placeholder 2">
             <a:extLst>
               <a:ext uri="{FF2B5EF4-FFF2-40B4-BE49-F238E27FC236}">
-                <a16:creationId xmlns:a16="http://schemas.microsoft.com/office/drawing/2014/main" id="{F8127921-F9C4-44F3-AC5F-130B6A406C02}"/>
+                <a16:creationId xmlns:a16="http://schemas.microsoft.com/office/drawing/2014/main" xmlns="" id="{F8127921-F9C4-44F3-AC5F-130B6A406C02}"/>
               </a:ext>
             </a:extLst>
           </p:cNvPr>
@@ -249,7 +250,8 @@
             <a:pPr rtl="0"/>
             <a:fld id="{D34942C2-9BB4-485B-BAA9-2B22AB8C8143}" type="datetime1">
               <a:rPr lang="en-GB" smtClean="0"/>
-              <a:t>12/07/2023</a:t>
+              <a:pPr rtl="0"/>
+              <a:t>13/07/2023</a:t>
             </a:fld>
             <a:endParaRPr lang="en-GB"/>
           </a:p>
@@ -260,7 +262,7 @@
           <p:cNvPr id="4" name="Footer Placeholder 3">
             <a:extLst>
               <a:ext uri="{FF2B5EF4-FFF2-40B4-BE49-F238E27FC236}">
-                <a16:creationId xmlns:a16="http://schemas.microsoft.com/office/drawing/2014/main" id="{4765E047-F1CB-4066-A459-9EDC95F2E610}"/>
+                <a16:creationId xmlns:a16="http://schemas.microsoft.com/office/drawing/2014/main" xmlns="" id="{4765E047-F1CB-4066-A459-9EDC95F2E610}"/>
               </a:ext>
             </a:extLst>
           </p:cNvPr>
@@ -298,7 +300,7 @@
           <p:cNvPr id="5" name="Slide Number Placeholder 4">
             <a:extLst>
               <a:ext uri="{FF2B5EF4-FFF2-40B4-BE49-F238E27FC236}">
-                <a16:creationId xmlns:a16="http://schemas.microsoft.com/office/drawing/2014/main" id="{68A77EF5-5277-4BAF-8BB4-2E02103988E5}"/>
+                <a16:creationId xmlns:a16="http://schemas.microsoft.com/office/drawing/2014/main" xmlns="" id="{68A77EF5-5277-4BAF-8BB4-2E02103988E5}"/>
               </a:ext>
             </a:extLst>
           </p:cNvPr>
@@ -329,6 +331,7 @@
             <a:pPr rtl="0"/>
             <a:fld id="{6B668C69-0C3E-40A2-B4A0-B2C8B71D8E3A}" type="slidenum">
               <a:rPr lang="en-GB" smtClean="0"/>
+              <a:pPr rtl="0"/>
               <a:t>‹#›</a:t>
             </a:fld>
             <a:endParaRPr lang="en-GB"/>
@@ -338,7 +341,7 @@
     </p:spTree>
     <p:extLst>
       <p:ext uri="{BB962C8B-B14F-4D97-AF65-F5344CB8AC3E}">
-        <p14:creationId xmlns:p14="http://schemas.microsoft.com/office/powerpoint/2010/main" val="2051586278"/>
+        <p14:creationId xmlns:p14="http://schemas.microsoft.com/office/powerpoint/2010/main" xmlns="" val="2051586278"/>
       </p:ext>
     </p:extLst>
   </p:cSld>
@@ -431,7 +434,8 @@
             <a:pPr rtl="0"/>
             <a:fld id="{C46B0483-5E48-4989-812C-4FF58E3186C6}" type="datetime1">
               <a:rPr lang="en-GB" noProof="0" smtClean="0"/>
-              <a:t>12/07/2023</a:t>
+              <a:pPr rtl="0"/>
+              <a:t>13/07/2023</a:t>
             </a:fld>
             <a:endParaRPr lang="en-GB" noProof="0"/>
           </a:p>
@@ -592,6 +596,7 @@
             <a:pPr rtl="0"/>
             <a:fld id="{EE000EEB-8338-48D7-8EE8-EE0082EF7602}" type="slidenum">
               <a:rPr lang="en-GB" noProof="0" smtClean="0"/>
+              <a:pPr rtl="0"/>
               <a:t>‹#›</a:t>
             </a:fld>
             <a:endParaRPr lang="en-GB" noProof="0"/>
@@ -601,7 +606,7 @@
     </p:spTree>
     <p:extLst>
       <p:ext uri="{BB962C8B-B14F-4D97-AF65-F5344CB8AC3E}">
-        <p14:creationId xmlns:p14="http://schemas.microsoft.com/office/powerpoint/2010/main" val="3767770186"/>
+        <p14:creationId xmlns:p14="http://schemas.microsoft.com/office/powerpoint/2010/main" xmlns="" val="3767770186"/>
       </p:ext>
     </p:extLst>
   </p:cSld>
@@ -769,6 +774,7 @@
             <a:pPr rtl="0"/>
             <a:fld id="{EE000EEB-8338-48D7-8EE8-EE0082EF7602}" type="slidenum">
               <a:rPr lang="en-GB" smtClean="0"/>
+              <a:pPr rtl="0"/>
               <a:t>1</a:t>
             </a:fld>
             <a:endParaRPr lang="en-GB"/>
@@ -778,7 +784,7 @@
     </p:spTree>
     <p:extLst>
       <p:ext uri="{BB962C8B-B14F-4D97-AF65-F5344CB8AC3E}">
-        <p14:creationId xmlns:p14="http://schemas.microsoft.com/office/powerpoint/2010/main" val="4005338275"/>
+        <p14:creationId xmlns:p14="http://schemas.microsoft.com/office/powerpoint/2010/main" xmlns="" val="4005338275"/>
       </p:ext>
     </p:extLst>
   </p:cSld>
@@ -855,6 +861,7 @@
             <a:pPr rtl="0"/>
             <a:fld id="{EE000EEB-8338-48D7-8EE8-EE0082EF7602}" type="slidenum">
               <a:rPr lang="en-GB" smtClean="0"/>
+              <a:pPr rtl="0"/>
               <a:t>10</a:t>
             </a:fld>
             <a:endParaRPr lang="en-GB"/>
@@ -864,7 +871,7 @@
     </p:spTree>
     <p:extLst>
       <p:ext uri="{BB962C8B-B14F-4D97-AF65-F5344CB8AC3E}">
-        <p14:creationId xmlns:p14="http://schemas.microsoft.com/office/powerpoint/2010/main" val="3370742812"/>
+        <p14:creationId xmlns:p14="http://schemas.microsoft.com/office/powerpoint/2010/main" xmlns="" val="3370742812"/>
       </p:ext>
     </p:extLst>
   </p:cSld>
@@ -941,7 +948,8 @@
             <a:pPr rtl="0"/>
             <a:fld id="{EE000EEB-8338-48D7-8EE8-EE0082EF7602}" type="slidenum">
               <a:rPr lang="en-GB" smtClean="0"/>
-              <a:t>3</a:t>
+              <a:pPr rtl="0"/>
+              <a:t>11</a:t>
             </a:fld>
             <a:endParaRPr lang="en-GB"/>
           </a:p>
@@ -950,7 +958,7 @@
     </p:spTree>
     <p:extLst>
       <p:ext uri="{BB962C8B-B14F-4D97-AF65-F5344CB8AC3E}">
-        <p14:creationId xmlns:p14="http://schemas.microsoft.com/office/powerpoint/2010/main" val="3676349337"/>
+        <p14:creationId xmlns:p14="http://schemas.microsoft.com/office/powerpoint/2010/main" xmlns="" val="3676349337"/>
       </p:ext>
     </p:extLst>
   </p:cSld>
@@ -1027,6 +1035,7 @@
             <a:pPr rtl="0"/>
             <a:fld id="{EE000EEB-8338-48D7-8EE8-EE0082EF7602}" type="slidenum">
               <a:rPr lang="en-GB" smtClean="0"/>
+              <a:pPr rtl="0"/>
               <a:t>12</a:t>
             </a:fld>
             <a:endParaRPr lang="en-GB"/>
@@ -1036,7 +1045,7 @@
     </p:spTree>
     <p:extLst>
       <p:ext uri="{BB962C8B-B14F-4D97-AF65-F5344CB8AC3E}">
-        <p14:creationId xmlns:p14="http://schemas.microsoft.com/office/powerpoint/2010/main" val="2625681798"/>
+        <p14:creationId xmlns:p14="http://schemas.microsoft.com/office/powerpoint/2010/main" xmlns="" val="2625681798"/>
       </p:ext>
     </p:extLst>
   </p:cSld>
@@ -1113,6 +1122,7 @@
             <a:pPr rtl="0"/>
             <a:fld id="{EE000EEB-8338-48D7-8EE8-EE0082EF7602}" type="slidenum">
               <a:rPr lang="en-GB" smtClean="0"/>
+              <a:pPr rtl="0"/>
               <a:t>13</a:t>
             </a:fld>
             <a:endParaRPr lang="en-GB"/>
@@ -1122,7 +1132,94 @@
     </p:spTree>
     <p:extLst>
       <p:ext uri="{BB962C8B-B14F-4D97-AF65-F5344CB8AC3E}">
-        <p14:creationId xmlns:p14="http://schemas.microsoft.com/office/powerpoint/2010/main" val="2413876867"/>
+        <p14:creationId xmlns:p14="http://schemas.microsoft.com/office/powerpoint/2010/main" xmlns="" val="2413876867"/>
+      </p:ext>
+    </p:extLst>
+  </p:cSld>
+  <p:clrMapOvr>
+    <a:masterClrMapping/>
+  </p:clrMapOvr>
+</p:notes>
+</file>
+
+<file path=ppt/notesSlides/notesSlide14.xml><?xml version="1.0" encoding="utf-8"?>
+<p:notes xmlns:a="http://schemas.openxmlformats.org/drawingml/2006/main" xmlns:r="http://schemas.openxmlformats.org/officeDocument/2006/relationships" xmlns:p="http://schemas.openxmlformats.org/presentationml/2006/main">
+  <p:cSld>
+    <p:spTree>
+      <p:nvGrpSpPr>
+        <p:cNvPr id="1" name=""/>
+        <p:cNvGrpSpPr/>
+        <p:nvPr/>
+      </p:nvGrpSpPr>
+      <p:grpSpPr>
+        <a:xfrm>
+          <a:off x="0" y="0"/>
+          <a:ext cx="0" cy="0"/>
+          <a:chOff x="0" y="0"/>
+          <a:chExt cx="0" cy="0"/>
+        </a:xfrm>
+      </p:grpSpPr>
+      <p:sp>
+        <p:nvSpPr>
+          <p:cNvPr id="2" name="Slide Image Placeholder 1"/>
+          <p:cNvSpPr>
+            <a:spLocks noGrp="1" noRot="1" noChangeAspect="1"/>
+          </p:cNvSpPr>
+          <p:nvPr>
+            <p:ph type="sldImg"/>
+          </p:nvPr>
+        </p:nvSpPr>
+        <p:spPr/>
+      </p:sp>
+      <p:sp>
+        <p:nvSpPr>
+          <p:cNvPr id="3" name="Notes Placeholder 2"/>
+          <p:cNvSpPr>
+            <a:spLocks noGrp="1"/>
+          </p:cNvSpPr>
+          <p:nvPr>
+            <p:ph type="body" idx="1"/>
+          </p:nvPr>
+        </p:nvSpPr>
+        <p:spPr/>
+        <p:txBody>
+          <a:bodyPr rtlCol="0"/>
+          <a:lstStyle/>
+          <a:p>
+            <a:pPr rtl="0"/>
+            <a:endParaRPr lang="en-GB"/>
+          </a:p>
+        </p:txBody>
+      </p:sp>
+      <p:sp>
+        <p:nvSpPr>
+          <p:cNvPr id="4" name="Slide Number Placeholder 3"/>
+          <p:cNvSpPr>
+            <a:spLocks noGrp="1"/>
+          </p:cNvSpPr>
+          <p:nvPr>
+            <p:ph type="sldNum" sz="quarter" idx="5"/>
+          </p:nvPr>
+        </p:nvSpPr>
+        <p:spPr/>
+        <p:txBody>
+          <a:bodyPr rtlCol="0"/>
+          <a:lstStyle/>
+          <a:p>
+            <a:pPr rtl="0"/>
+            <a:fld id="{EE000EEB-8338-48D7-8EE8-EE0082EF7602}" type="slidenum">
+              <a:rPr lang="en-GB" smtClean="0"/>
+              <a:pPr rtl="0"/>
+              <a:t>14</a:t>
+            </a:fld>
+            <a:endParaRPr lang="en-GB"/>
+          </a:p>
+        </p:txBody>
+      </p:sp>
+    </p:spTree>
+    <p:extLst>
+      <p:ext uri="{BB962C8B-B14F-4D97-AF65-F5344CB8AC3E}">
+        <p14:creationId xmlns:p14="http://schemas.microsoft.com/office/powerpoint/2010/main" xmlns="" val="2625681798"/>
       </p:ext>
     </p:extLst>
   </p:cSld>
@@ -1199,6 +1296,7 @@
             <a:pPr rtl="0"/>
             <a:fld id="{EE000EEB-8338-48D7-8EE8-EE0082EF7602}" type="slidenum">
               <a:rPr lang="en-GB" smtClean="0"/>
+              <a:pPr rtl="0"/>
               <a:t>2</a:t>
             </a:fld>
             <a:endParaRPr lang="en-GB"/>
@@ -1208,7 +1306,7 @@
     </p:spTree>
     <p:extLst>
       <p:ext uri="{BB962C8B-B14F-4D97-AF65-F5344CB8AC3E}">
-        <p14:creationId xmlns:p14="http://schemas.microsoft.com/office/powerpoint/2010/main" val="3614338860"/>
+        <p14:creationId xmlns:p14="http://schemas.microsoft.com/office/powerpoint/2010/main" xmlns="" val="3614338860"/>
       </p:ext>
     </p:extLst>
   </p:cSld>
@@ -1285,6 +1383,7 @@
             <a:pPr rtl="0"/>
             <a:fld id="{EE000EEB-8338-48D7-8EE8-EE0082EF7602}" type="slidenum">
               <a:rPr lang="en-GB" smtClean="0"/>
+              <a:pPr rtl="0"/>
               <a:t>3</a:t>
             </a:fld>
             <a:endParaRPr lang="en-GB"/>
@@ -1294,7 +1393,7 @@
     </p:spTree>
     <p:extLst>
       <p:ext uri="{BB962C8B-B14F-4D97-AF65-F5344CB8AC3E}">
-        <p14:creationId xmlns:p14="http://schemas.microsoft.com/office/powerpoint/2010/main" val="3614338860"/>
+        <p14:creationId xmlns:p14="http://schemas.microsoft.com/office/powerpoint/2010/main" xmlns="" val="3614338860"/>
       </p:ext>
     </p:extLst>
   </p:cSld>
@@ -1371,6 +1470,7 @@
             <a:pPr rtl="0"/>
             <a:fld id="{EE000EEB-8338-48D7-8EE8-EE0082EF7602}" type="slidenum">
               <a:rPr lang="en-GB" smtClean="0"/>
+              <a:pPr rtl="0"/>
               <a:t>4</a:t>
             </a:fld>
             <a:endParaRPr lang="en-GB"/>
@@ -1380,7 +1480,7 @@
     </p:spTree>
     <p:extLst>
       <p:ext uri="{BB962C8B-B14F-4D97-AF65-F5344CB8AC3E}">
-        <p14:creationId xmlns:p14="http://schemas.microsoft.com/office/powerpoint/2010/main" val="3614338860"/>
+        <p14:creationId xmlns:p14="http://schemas.microsoft.com/office/powerpoint/2010/main" xmlns="" val="3614338860"/>
       </p:ext>
     </p:extLst>
   </p:cSld>
@@ -1457,6 +1557,7 @@
             <a:pPr rtl="0"/>
             <a:fld id="{EE000EEB-8338-48D7-8EE8-EE0082EF7602}" type="slidenum">
               <a:rPr lang="en-GB" smtClean="0"/>
+              <a:pPr rtl="0"/>
               <a:t>5</a:t>
             </a:fld>
             <a:endParaRPr lang="en-GB"/>
@@ -1466,7 +1567,7 @@
     </p:spTree>
     <p:extLst>
       <p:ext uri="{BB962C8B-B14F-4D97-AF65-F5344CB8AC3E}">
-        <p14:creationId xmlns:p14="http://schemas.microsoft.com/office/powerpoint/2010/main" val="3403117409"/>
+        <p14:creationId xmlns:p14="http://schemas.microsoft.com/office/powerpoint/2010/main" xmlns="" val="3403117409"/>
       </p:ext>
     </p:extLst>
   </p:cSld>
@@ -1543,6 +1644,7 @@
             <a:pPr rtl="0"/>
             <a:fld id="{EE000EEB-8338-48D7-8EE8-EE0082EF7602}" type="slidenum">
               <a:rPr lang="en-GB" smtClean="0"/>
+              <a:pPr rtl="0"/>
               <a:t>6</a:t>
             </a:fld>
             <a:endParaRPr lang="en-GB"/>
@@ -1552,7 +1654,7 @@
     </p:spTree>
     <p:extLst>
       <p:ext uri="{BB962C8B-B14F-4D97-AF65-F5344CB8AC3E}">
-        <p14:creationId xmlns:p14="http://schemas.microsoft.com/office/powerpoint/2010/main" val="1229823101"/>
+        <p14:creationId xmlns:p14="http://schemas.microsoft.com/office/powerpoint/2010/main" xmlns="" val="1229823101"/>
       </p:ext>
     </p:extLst>
   </p:cSld>
@@ -1629,6 +1731,7 @@
             <a:pPr rtl="0"/>
             <a:fld id="{EE000EEB-8338-48D7-8EE8-EE0082EF7602}" type="slidenum">
               <a:rPr lang="en-GB" smtClean="0"/>
+              <a:pPr rtl="0"/>
               <a:t>7</a:t>
             </a:fld>
             <a:endParaRPr lang="en-GB"/>
@@ -1638,7 +1741,7 @@
     </p:spTree>
     <p:extLst>
       <p:ext uri="{BB962C8B-B14F-4D97-AF65-F5344CB8AC3E}">
-        <p14:creationId xmlns:p14="http://schemas.microsoft.com/office/powerpoint/2010/main" val="2845688364"/>
+        <p14:creationId xmlns:p14="http://schemas.microsoft.com/office/powerpoint/2010/main" xmlns="" val="2845688364"/>
       </p:ext>
     </p:extLst>
   </p:cSld>
@@ -1715,7 +1818,8 @@
             <a:pPr rtl="0"/>
             <a:fld id="{EE000EEB-8338-48D7-8EE8-EE0082EF7602}" type="slidenum">
               <a:rPr lang="en-GB" smtClean="0"/>
-              <a:t>9</a:t>
+              <a:pPr rtl="0"/>
+              <a:t>8</a:t>
             </a:fld>
             <a:endParaRPr lang="en-GB"/>
           </a:p>
@@ -1724,7 +1828,7 @@
     </p:spTree>
     <p:extLst>
       <p:ext uri="{BB962C8B-B14F-4D97-AF65-F5344CB8AC3E}">
-        <p14:creationId xmlns:p14="http://schemas.microsoft.com/office/powerpoint/2010/main" val="1240710385"/>
+        <p14:creationId xmlns:p14="http://schemas.microsoft.com/office/powerpoint/2010/main" xmlns="" val="1240710385"/>
       </p:ext>
     </p:extLst>
   </p:cSld>
@@ -1801,7 +1905,8 @@
             <a:pPr rtl="0"/>
             <a:fld id="{EE000EEB-8338-48D7-8EE8-EE0082EF7602}" type="slidenum">
               <a:rPr lang="en-GB" smtClean="0"/>
-              <a:t>8</a:t>
+              <a:pPr rtl="0"/>
+              <a:t>9</a:t>
             </a:fld>
             <a:endParaRPr lang="en-GB"/>
           </a:p>
@@ -1810,7 +1915,7 @@
     </p:spTree>
     <p:extLst>
       <p:ext uri="{BB962C8B-B14F-4D97-AF65-F5344CB8AC3E}">
-        <p14:creationId xmlns:p14="http://schemas.microsoft.com/office/powerpoint/2010/main" val="3861974142"/>
+        <p14:creationId xmlns:p14="http://schemas.microsoft.com/office/powerpoint/2010/main" xmlns="" val="3861974142"/>
       </p:ext>
     </p:extLst>
   </p:cSld>
@@ -2004,7 +2109,8 @@
             <a:pPr rtl="0"/>
             <a:fld id="{6829274C-2AF6-43C6-BE37-6B723526AB66}" type="datetime1">
               <a:rPr lang="en-GB" noProof="0" smtClean="0"/>
-              <a:t>12/07/2023</a:t>
+              <a:pPr rtl="0"/>
+              <a:t>13/07/2023</a:t>
             </a:fld>
             <a:endParaRPr lang="en-GB" noProof="0"/>
           </a:p>
@@ -2048,6 +2154,7 @@
             <a:pPr rtl="0"/>
             <a:fld id="{D57F1E4F-1CFF-5643-939E-02111984F565}" type="slidenum">
               <a:rPr lang="en-GB" noProof="0" smtClean="0"/>
+              <a:pPr rtl="0"/>
               <a:t>‹#›</a:t>
             </a:fld>
             <a:endParaRPr lang="en-GB" noProof="0"/>
@@ -2277,7 +2384,8 @@
             <a:pPr rtl="0"/>
             <a:fld id="{AC3B16FD-AF9A-4B37-B857-ABF0C7FEB2C0}" type="datetime1">
               <a:rPr lang="en-GB" noProof="0" smtClean="0"/>
-              <a:t>12/07/2023</a:t>
+              <a:pPr rtl="0"/>
+              <a:t>13/07/2023</a:t>
             </a:fld>
             <a:endParaRPr lang="en-GB" noProof="0"/>
           </a:p>
@@ -2321,6 +2429,7 @@
             <a:pPr rtl="0"/>
             <a:fld id="{D57F1E4F-1CFF-5643-939E-02111984F565}" type="slidenum">
               <a:rPr lang="en-GB" noProof="0" smtClean="0"/>
+              <a:pPr rtl="0"/>
               <a:t>‹#›</a:t>
             </a:fld>
             <a:endParaRPr lang="en-GB" noProof="0"/>
@@ -2469,7 +2578,8 @@
             <a:pPr rtl="0"/>
             <a:fld id="{E8D02A09-1629-4FE8-9008-2360C6AF6524}" type="datetime1">
               <a:rPr lang="en-GB" noProof="0" smtClean="0"/>
-              <a:t>12/07/2023</a:t>
+              <a:pPr rtl="0"/>
+              <a:t>13/07/2023</a:t>
             </a:fld>
             <a:endParaRPr lang="en-GB" noProof="0"/>
           </a:p>
@@ -2513,6 +2623,7 @@
             <a:pPr rtl="0"/>
             <a:fld id="{D57F1E4F-1CFF-5643-939E-02111984F565}" type="slidenum">
               <a:rPr lang="en-GB" noProof="0" smtClean="0"/>
+              <a:pPr rtl="0"/>
               <a:t>‹#›</a:t>
             </a:fld>
             <a:endParaRPr lang="en-GB" noProof="0"/>
@@ -2735,7 +2846,8 @@
             <a:pPr rtl="0"/>
             <a:fld id="{ACBF031D-5EAA-4834-BC4C-6B8D41D2A31A}" type="datetime1">
               <a:rPr lang="en-GB" noProof="0" smtClean="0"/>
-              <a:t>12/07/2023</a:t>
+              <a:pPr rtl="0"/>
+              <a:t>13/07/2023</a:t>
             </a:fld>
             <a:endParaRPr lang="en-GB" noProof="0"/>
           </a:p>
@@ -2779,6 +2891,7 @@
             <a:pPr rtl="0"/>
             <a:fld id="{D57F1E4F-1CFF-5643-939E-02111984F565}" type="slidenum">
               <a:rPr lang="en-GB" noProof="0" smtClean="0"/>
+              <a:pPr rtl="0"/>
               <a:t>‹#›</a:t>
             </a:fld>
             <a:endParaRPr lang="en-GB" noProof="0"/>
@@ -3065,7 +3178,8 @@
             <a:pPr rtl="0"/>
             <a:fld id="{0C153F27-CCB5-42A9-917D-A5C19EF4A37A}" type="datetime1">
               <a:rPr lang="en-GB" noProof="0" smtClean="0"/>
-              <a:t>12/07/2023</a:t>
+              <a:pPr rtl="0"/>
+              <a:t>13/07/2023</a:t>
             </a:fld>
             <a:endParaRPr lang="en-GB" noProof="0"/>
           </a:p>
@@ -3109,6 +3223,7 @@
             <a:pPr rtl="0"/>
             <a:fld id="{D57F1E4F-1CFF-5643-939E-02111984F565}" type="slidenum">
               <a:rPr lang="en-GB" noProof="0" smtClean="0"/>
+              <a:pPr rtl="0"/>
               <a:t>‹#›</a:t>
             </a:fld>
             <a:endParaRPr lang="en-GB" noProof="0"/>
@@ -3673,7 +3788,8 @@
             <a:pPr rtl="0"/>
             <a:fld id="{C22FEF4C-3D16-4233-ACC2-6B3BE0338E94}" type="datetime1">
               <a:rPr lang="en-GB" noProof="0" smtClean="0"/>
-              <a:t>12/07/2023</a:t>
+              <a:pPr rtl="0"/>
+              <a:t>13/07/2023</a:t>
             </a:fld>
             <a:endParaRPr lang="en-GB" noProof="0"/>
           </a:p>
@@ -3717,6 +3833,7 @@
             <a:pPr rtl="0"/>
             <a:fld id="{D57F1E4F-1CFF-5643-939E-02111984F565}" type="slidenum">
               <a:rPr lang="en-GB" noProof="0" smtClean="0"/>
+              <a:pPr rtl="0"/>
               <a:t>‹#›</a:t>
             </a:fld>
             <a:endParaRPr lang="en-GB" noProof="0"/>
@@ -4518,7 +4635,8 @@
             <a:pPr rtl="0"/>
             <a:fld id="{236F4546-A12E-4834-AE1D-19A2BD9FE491}" type="datetime1">
               <a:rPr lang="en-GB" noProof="0" smtClean="0"/>
-              <a:t>12/07/2023</a:t>
+              <a:pPr rtl="0"/>
+              <a:t>13/07/2023</a:t>
             </a:fld>
             <a:endParaRPr lang="en-GB" noProof="0"/>
           </a:p>
@@ -4562,6 +4680,7 @@
             <a:pPr rtl="0"/>
             <a:fld id="{D57F1E4F-1CFF-5643-939E-02111984F565}" type="slidenum">
               <a:rPr lang="en-GB" noProof="0" smtClean="0"/>
+              <a:pPr rtl="0"/>
               <a:t>‹#›</a:t>
             </a:fld>
             <a:endParaRPr lang="en-GB" noProof="0"/>
@@ -4685,7 +4804,8 @@
             <a:pPr rtl="0"/>
             <a:fld id="{FBFC8BA5-C8F4-44E9-81D3-9993FAFC2548}" type="datetime1">
               <a:rPr lang="en-GB" noProof="0" smtClean="0"/>
-              <a:t>12/07/2023</a:t>
+              <a:pPr rtl="0"/>
+              <a:t>13/07/2023</a:t>
             </a:fld>
             <a:endParaRPr lang="en-GB" noProof="0"/>
           </a:p>
@@ -4729,6 +4849,7 @@
             <a:pPr rtl="0"/>
             <a:fld id="{D57F1E4F-1CFF-5643-939E-02111984F565}" type="slidenum">
               <a:rPr lang="en-GB" noProof="0" smtClean="0"/>
+              <a:pPr rtl="0"/>
               <a:t>‹#›</a:t>
             </a:fld>
             <a:endParaRPr lang="en-GB" noProof="0"/>
@@ -4862,7 +4983,8 @@
             <a:pPr rtl="0"/>
             <a:fld id="{A164976D-C0DD-4100-93A1-CFA745D94DB1}" type="datetime1">
               <a:rPr lang="en-GB" noProof="0" smtClean="0"/>
-              <a:t>12/07/2023</a:t>
+              <a:pPr rtl="0"/>
+              <a:t>13/07/2023</a:t>
             </a:fld>
             <a:endParaRPr lang="en-GB" noProof="0"/>
           </a:p>
@@ -4906,6 +5028,7 @@
             <a:pPr rtl="0"/>
             <a:fld id="{D57F1E4F-1CFF-5643-939E-02111984F565}" type="slidenum">
               <a:rPr lang="en-GB" noProof="0" smtClean="0"/>
+              <a:pPr rtl="0"/>
               <a:t>‹#›</a:t>
             </a:fld>
             <a:endParaRPr lang="en-GB" noProof="0"/>
@@ -5029,7 +5152,8 @@
             <a:pPr rtl="0"/>
             <a:fld id="{2288F526-2C2E-4DB7-8655-C1E08D2E237C}" type="datetime1">
               <a:rPr lang="en-GB" noProof="0" smtClean="0"/>
-              <a:t>12/07/2023</a:t>
+              <a:pPr rtl="0"/>
+              <a:t>13/07/2023</a:t>
             </a:fld>
             <a:endParaRPr lang="en-GB" noProof="0"/>
           </a:p>
@@ -5073,6 +5197,7 @@
             <a:pPr rtl="0"/>
             <a:fld id="{D57F1E4F-1CFF-5643-939E-02111984F565}" type="slidenum">
               <a:rPr lang="en-GB" noProof="0" smtClean="0"/>
+              <a:pPr rtl="0"/>
               <a:t>‹#›</a:t>
             </a:fld>
             <a:endParaRPr lang="en-GB" noProof="0"/>
@@ -5271,7 +5396,8 @@
             <a:pPr rtl="0"/>
             <a:fld id="{2FF95D3A-6098-4E79-BE61-296F9A23A1CB}" type="datetime1">
               <a:rPr lang="en-GB" noProof="0" smtClean="0"/>
-              <a:t>12/07/2023</a:t>
+              <a:pPr rtl="0"/>
+              <a:t>13/07/2023</a:t>
             </a:fld>
             <a:endParaRPr lang="en-GB" noProof="0"/>
           </a:p>
@@ -5315,6 +5441,7 @@
             <a:pPr rtl="0"/>
             <a:fld id="{D57F1E4F-1CFF-5643-939E-02111984F565}" type="slidenum">
               <a:rPr lang="en-GB" noProof="0" smtClean="0"/>
+              <a:pPr rtl="0"/>
               <a:t>‹#›</a:t>
             </a:fld>
             <a:endParaRPr lang="en-GB" noProof="0"/>
@@ -5559,7 +5686,8 @@
             <a:pPr rtl="0"/>
             <a:fld id="{03CF9A9B-64FA-486B-B1C4-20B3C2842FAF}" type="datetime1">
               <a:rPr lang="en-GB" noProof="0" smtClean="0"/>
-              <a:t>12/07/2023</a:t>
+              <a:pPr rtl="0"/>
+              <a:t>13/07/2023</a:t>
             </a:fld>
             <a:endParaRPr lang="en-GB" noProof="0"/>
           </a:p>
@@ -5603,6 +5731,7 @@
             <a:pPr rtl="0"/>
             <a:fld id="{D57F1E4F-1CFF-5643-939E-02111984F565}" type="slidenum">
               <a:rPr lang="en-GB" noProof="0" smtClean="0"/>
+              <a:pPr rtl="0"/>
               <a:t>‹#›</a:t>
             </a:fld>
             <a:endParaRPr lang="en-GB" noProof="0"/>
@@ -5993,7 +6122,8 @@
             <a:pPr rtl="0"/>
             <a:fld id="{8B9A1C3B-3411-4F1E-9257-FBE0BF08E35E}" type="datetime1">
               <a:rPr lang="en-GB" noProof="0" smtClean="0"/>
-              <a:t>12/07/2023</a:t>
+              <a:pPr rtl="0"/>
+              <a:t>13/07/2023</a:t>
             </a:fld>
             <a:endParaRPr lang="en-GB" noProof="0"/>
           </a:p>
@@ -6037,6 +6167,7 @@
             <a:pPr rtl="0"/>
             <a:fld id="{D57F1E4F-1CFF-5643-939E-02111984F565}" type="slidenum">
               <a:rPr lang="en-GB" noProof="0" smtClean="0"/>
+              <a:pPr rtl="0"/>
               <a:t>‹#›</a:t>
             </a:fld>
             <a:endParaRPr lang="en-GB" noProof="0"/>
@@ -6109,7 +6240,8 @@
             <a:pPr rtl="0"/>
             <a:fld id="{6E7AE7EA-47F8-43A2-A0A9-1464253F1FF5}" type="datetime1">
               <a:rPr lang="en-GB" noProof="0" smtClean="0"/>
-              <a:t>12/07/2023</a:t>
+              <a:pPr rtl="0"/>
+              <a:t>13/07/2023</a:t>
             </a:fld>
             <a:endParaRPr lang="en-GB" noProof="0"/>
           </a:p>
@@ -6153,6 +6285,7 @@
             <a:pPr rtl="0"/>
             <a:fld id="{D57F1E4F-1CFF-5643-939E-02111984F565}" type="slidenum">
               <a:rPr lang="en-GB" noProof="0" smtClean="0"/>
+              <a:pPr rtl="0"/>
               <a:t>‹#›</a:t>
             </a:fld>
             <a:endParaRPr lang="en-GB" noProof="0"/>
@@ -6202,7 +6335,8 @@
             <a:pPr rtl="0"/>
             <a:fld id="{8F3FAFEF-9964-4E62-A619-7F95A52237F8}" type="datetime1">
               <a:rPr lang="en-GB" noProof="0" smtClean="0"/>
-              <a:t>12/07/2023</a:t>
+              <a:pPr rtl="0"/>
+              <a:t>13/07/2023</a:t>
             </a:fld>
             <a:endParaRPr lang="en-GB" noProof="0"/>
           </a:p>
@@ -6246,6 +6380,7 @@
             <a:pPr rtl="0"/>
             <a:fld id="{D57F1E4F-1CFF-5643-939E-02111984F565}" type="slidenum">
               <a:rPr lang="en-GB" noProof="0" smtClean="0"/>
+              <a:pPr rtl="0"/>
               <a:t>‹#›</a:t>
             </a:fld>
             <a:endParaRPr lang="en-GB" noProof="0"/>
@@ -6478,7 +6613,8 @@
             <a:pPr rtl="0"/>
             <a:fld id="{2583AF05-3F56-48E3-A521-2AA72E075177}" type="datetime1">
               <a:rPr lang="en-GB" noProof="0" smtClean="0"/>
-              <a:t>12/07/2023</a:t>
+              <a:pPr rtl="0"/>
+              <a:t>13/07/2023</a:t>
             </a:fld>
             <a:endParaRPr lang="en-GB" noProof="0"/>
           </a:p>
@@ -6522,6 +6658,7 @@
             <a:pPr rtl="0"/>
             <a:fld id="{D57F1E4F-1CFF-5643-939E-02111984F565}" type="slidenum">
               <a:rPr lang="en-GB" noProof="0" smtClean="0"/>
+              <a:pPr rtl="0"/>
               <a:t>‹#›</a:t>
             </a:fld>
             <a:endParaRPr lang="en-GB" noProof="0"/>
@@ -6751,7 +6888,8 @@
             <a:pPr rtl="0"/>
             <a:fld id="{DC9ABC9C-6733-4B3C-8D3C-F33F0A5CEBCB}" type="datetime1">
               <a:rPr lang="en-GB" noProof="0" smtClean="0"/>
-              <a:t>12/07/2023</a:t>
+              <a:pPr rtl="0"/>
+              <a:t>13/07/2023</a:t>
             </a:fld>
             <a:endParaRPr lang="en-GB" noProof="0"/>
           </a:p>
@@ -6795,6 +6933,7 @@
             <a:pPr rtl="0"/>
             <a:fld id="{D57F1E4F-1CFF-5643-939E-02111984F565}" type="slidenum">
               <a:rPr lang="en-GB" noProof="0" smtClean="0"/>
+              <a:pPr rtl="0"/>
               <a:t>‹#›</a:t>
             </a:fld>
             <a:endParaRPr lang="en-GB" noProof="0"/>
@@ -6843,7 +6982,7 @@
           <a:blip r:embed="rId19">
             <a:extLst>
               <a:ext uri="{28A0092B-C50C-407E-A947-70E740481C1C}">
-                <a14:useLocalDpi xmlns:a14="http://schemas.microsoft.com/office/drawing/2010/main"/>
+                <a14:useLocalDpi xmlns:a14="http://schemas.microsoft.com/office/drawing/2010/main" xmlns=""/>
               </a:ext>
             </a:extLst>
           </a:blip>
@@ -6872,7 +7011,7 @@
           <a:blip r:embed="rId20">
             <a:extLst>
               <a:ext uri="{28A0092B-C50C-407E-A947-70E740481C1C}">
-                <a14:useLocalDpi xmlns:a14="http://schemas.microsoft.com/office/drawing/2010/main"/>
+                <a14:useLocalDpi xmlns:a14="http://schemas.microsoft.com/office/drawing/2010/main" xmlns=""/>
               </a:ext>
             </a:extLst>
           </a:blip>
@@ -6964,7 +7103,7 @@
           <a:blip r:embed="rId21">
             <a:extLst>
               <a:ext uri="{28A0092B-C50C-407E-A947-70E740481C1C}">
-                <a14:useLocalDpi xmlns:a14="http://schemas.microsoft.com/office/drawing/2010/main"/>
+                <a14:useLocalDpi xmlns:a14="http://schemas.microsoft.com/office/drawing/2010/main" xmlns=""/>
               </a:ext>
             </a:extLst>
           </a:blip>
@@ -6993,7 +7132,7 @@
           <a:blip r:embed="rId22">
             <a:extLst>
               <a:ext uri="{28A0092B-C50C-407E-A947-70E740481C1C}">
-                <a14:useLocalDpi xmlns:a14="http://schemas.microsoft.com/office/drawing/2010/main"/>
+                <a14:useLocalDpi xmlns:a14="http://schemas.microsoft.com/office/drawing/2010/main" xmlns=""/>
               </a:ext>
             </a:extLst>
           </a:blip>
@@ -7177,7 +7316,8 @@
             <a:pPr rtl="0"/>
             <a:fld id="{05BD160B-B06D-4D6D-8099-7D9F4028ABFA}" type="datetime1">
               <a:rPr lang="en-GB" noProof="0" smtClean="0"/>
-              <a:t>12/07/2023</a:t>
+              <a:pPr rtl="0"/>
+              <a:t>13/07/2023</a:t>
             </a:fld>
             <a:endParaRPr lang="en-GB" noProof="0"/>
           </a:p>
@@ -7258,6 +7398,7 @@
             <a:pPr rtl="0"/>
             <a:fld id="{D57F1E4F-1CFF-5643-939E-02111984F565}" type="slidenum">
               <a:rPr lang="en-GB" noProof="0" smtClean="0"/>
+              <a:pPr rtl="0"/>
               <a:t>‹#›</a:t>
             </a:fld>
             <a:endParaRPr lang="en-GB" noProof="0"/>
@@ -7705,7 +7846,7 @@
           <p:cNvPr id="5" name="Picture 4" descr="chain links">
             <a:extLst>
               <a:ext uri="{FF2B5EF4-FFF2-40B4-BE49-F238E27FC236}">
-                <a16:creationId xmlns:a16="http://schemas.microsoft.com/office/drawing/2014/main" id="{A4511EBC-2F3C-446D-867B-7DC328517A44}"/>
+                <a16:creationId xmlns:a16="http://schemas.microsoft.com/office/drawing/2014/main" xmlns="" id="{A4511EBC-2F3C-446D-867B-7DC328517A44}"/>
               </a:ext>
             </a:extLst>
           </p:cNvPr>
@@ -7743,7 +7884,7 @@
           <p:cNvPr id="2" name="Title 1">
             <a:extLst>
               <a:ext uri="{FF2B5EF4-FFF2-40B4-BE49-F238E27FC236}">
-                <a16:creationId xmlns:a16="http://schemas.microsoft.com/office/drawing/2014/main" id="{3D30D32A-359B-41BB-9746-2CF3A21EEFFC}"/>
+                <a16:creationId xmlns:a16="http://schemas.microsoft.com/office/drawing/2014/main" xmlns="" id="{3D30D32A-359B-41BB-9746-2CF3A21EEFFC}"/>
               </a:ext>
             </a:extLst>
           </p:cNvPr>
@@ -7783,7 +7924,7 @@
           <p:cNvPr id="3" name="Subtitle 2">
             <a:extLst>
               <a:ext uri="{FF2B5EF4-FFF2-40B4-BE49-F238E27FC236}">
-                <a16:creationId xmlns:a16="http://schemas.microsoft.com/office/drawing/2014/main" id="{B4CA222A-88BC-48F4-9AE8-2115B7D1E6DC}"/>
+                <a16:creationId xmlns:a16="http://schemas.microsoft.com/office/drawing/2014/main" xmlns="" id="{B4CA222A-88BC-48F4-9AE8-2115B7D1E6DC}"/>
               </a:ext>
             </a:extLst>
           </p:cNvPr>
@@ -7830,10 +7971,10 @@
           <p:cNvPr id="20" name="Rectangle 19">
             <a:extLst>
               <a:ext uri="{FF2B5EF4-FFF2-40B4-BE49-F238E27FC236}">
-                <a16:creationId xmlns:a16="http://schemas.microsoft.com/office/drawing/2014/main" id="{318E9D62-7BA3-4D5E-8915-0D0E8661E3D7}"/>
+                <a16:creationId xmlns:a16="http://schemas.microsoft.com/office/drawing/2014/main" xmlns="" id="{318E9D62-7BA3-4D5E-8915-0D0E8661E3D7}"/>
               </a:ext>
               <a:ext uri="{C183D7F6-B498-43B3-948B-1728B52AA6E4}">
-                <adec:decorative xmlns:adec="http://schemas.microsoft.com/office/drawing/2017/decorative" val="1"/>
+                <adec:decorative xmlns:adec="http://schemas.microsoft.com/office/drawing/2017/decorative" xmlns="" val="1"/>
               </a:ext>
             </a:extLst>
           </p:cNvPr>
@@ -7843,7 +7984,7 @@
           <p:nvPr>
             <p:extLst>
               <p:ext uri="{386F3935-93C4-4BCD-93E2-E3B085C9AB24}">
-                <p16:designElem xmlns:p16="http://schemas.microsoft.com/office/powerpoint/2015/main" val="1"/>
+                <p16:designElem xmlns:p16="http://schemas.microsoft.com/office/powerpoint/2015/main" xmlns="" val="1"/>
               </p:ext>
             </p:extLst>
           </p:nvPr>
@@ -7883,7 +8024,7 @@
           <p:cNvPr id="4" name="TextBox 3">
             <a:extLst>
               <a:ext uri="{FF2B5EF4-FFF2-40B4-BE49-F238E27FC236}">
-                <a16:creationId xmlns:a16="http://schemas.microsoft.com/office/drawing/2014/main" id="{BA30282B-5A43-83C0-3DAF-891A6149C1E7}"/>
+                <a16:creationId xmlns:a16="http://schemas.microsoft.com/office/drawing/2014/main" xmlns="" id="{BA30282B-5A43-83C0-3DAF-891A6149C1E7}"/>
               </a:ext>
             </a:extLst>
           </p:cNvPr>
@@ -7923,13 +8064,20 @@
     </p:spTree>
     <p:extLst>
       <p:ext uri="{BB962C8B-B14F-4D97-AF65-F5344CB8AC3E}">
-        <p14:creationId xmlns:p14="http://schemas.microsoft.com/office/powerpoint/2010/main" val="193000927"/>
+        <p14:creationId xmlns:p14="http://schemas.microsoft.com/office/powerpoint/2010/main" xmlns="" val="193000927"/>
       </p:ext>
     </p:extLst>
   </p:cSld>
   <p:clrMapOvr>
     <a:masterClrMapping/>
   </p:clrMapOvr>
+  <p:timing>
+    <p:tnLst>
+      <p:par>
+        <p:cTn id="1" dur="indefinite" restart="never" nodeType="tmRoot"/>
+      </p:par>
+    </p:tnLst>
+  </p:timing>
 </p:sld>
 </file>
 
@@ -7955,7 +8103,7 @@
           <p:cNvPr id="83" name="Title 1">
             <a:extLst>
               <a:ext uri="{FF2B5EF4-FFF2-40B4-BE49-F238E27FC236}">
-                <a16:creationId xmlns:a16="http://schemas.microsoft.com/office/drawing/2014/main" id="{EF9755A0-540B-5AA6-0C51-5FAFE120C8DD}"/>
+                <a16:creationId xmlns:a16="http://schemas.microsoft.com/office/drawing/2014/main" xmlns="" id="{EF9755A0-540B-5AA6-0C51-5FAFE120C8DD}"/>
               </a:ext>
             </a:extLst>
           </p:cNvPr>
@@ -7998,7 +8146,7 @@
           <p:cNvPr id="2" name="Picture 2" descr="A screenshot of a computer code&#10;&#10;Description automatically generated">
             <a:extLst>
               <a:ext uri="{FF2B5EF4-FFF2-40B4-BE49-F238E27FC236}">
-                <a16:creationId xmlns:a16="http://schemas.microsoft.com/office/drawing/2014/main" id="{4A641725-EFB8-8A91-719D-54407CF68E25}"/>
+                <a16:creationId xmlns:a16="http://schemas.microsoft.com/office/drawing/2014/main" xmlns="" id="{4A641725-EFB8-8A91-719D-54407CF68E25}"/>
               </a:ext>
             </a:extLst>
           </p:cNvPr>
@@ -8028,7 +8176,7 @@
           <p:cNvPr id="6" name="Picture 6" descr="A screenshot of a computer screen&#10;&#10;Description automatically generated">
             <a:extLst>
               <a:ext uri="{FF2B5EF4-FFF2-40B4-BE49-F238E27FC236}">
-                <a16:creationId xmlns:a16="http://schemas.microsoft.com/office/drawing/2014/main" id="{68F934BE-3C4A-DC5E-3C7E-B89E14087722}"/>
+                <a16:creationId xmlns:a16="http://schemas.microsoft.com/office/drawing/2014/main" xmlns="" id="{68F934BE-3C4A-DC5E-3C7E-B89E14087722}"/>
               </a:ext>
             </a:extLst>
           </p:cNvPr>
@@ -8057,7 +8205,7 @@
           <p:cNvPr id="7" name="TextBox 6">
             <a:extLst>
               <a:ext uri="{FF2B5EF4-FFF2-40B4-BE49-F238E27FC236}">
-                <a16:creationId xmlns:a16="http://schemas.microsoft.com/office/drawing/2014/main" id="{1EB8E7C8-7A21-CA3C-0A06-465726F98619}"/>
+                <a16:creationId xmlns:a16="http://schemas.microsoft.com/office/drawing/2014/main" xmlns="" id="{1EB8E7C8-7A21-CA3C-0A06-465726F98619}"/>
               </a:ext>
             </a:extLst>
           </p:cNvPr>
@@ -8095,7 +8243,7 @@
           <p:cNvPr id="8" name="TextBox 7">
             <a:extLst>
               <a:ext uri="{FF2B5EF4-FFF2-40B4-BE49-F238E27FC236}">
-                <a16:creationId xmlns:a16="http://schemas.microsoft.com/office/drawing/2014/main" id="{3747D9D1-35F4-AF7D-8CC7-956A532A710B}"/>
+                <a16:creationId xmlns:a16="http://schemas.microsoft.com/office/drawing/2014/main" xmlns="" id="{3747D9D1-35F4-AF7D-8CC7-956A532A710B}"/>
               </a:ext>
             </a:extLst>
           </p:cNvPr>
@@ -8131,13 +8279,20 @@
     </p:spTree>
     <p:extLst>
       <p:ext uri="{BB962C8B-B14F-4D97-AF65-F5344CB8AC3E}">
-        <p14:creationId xmlns:p14="http://schemas.microsoft.com/office/powerpoint/2010/main" val="111276584"/>
+        <p14:creationId xmlns:p14="http://schemas.microsoft.com/office/powerpoint/2010/main" xmlns="" val="111276584"/>
       </p:ext>
     </p:extLst>
   </p:cSld>
   <p:clrMapOvr>
     <a:masterClrMapping/>
   </p:clrMapOvr>
+  <p:timing>
+    <p:tnLst>
+      <p:par>
+        <p:cTn id="1" dur="indefinite" restart="never" nodeType="tmRoot"/>
+      </p:par>
+    </p:tnLst>
+  </p:timing>
 </p:sld>
 </file>
 
@@ -8163,7 +8318,7 @@
           <p:cNvPr id="4" name="Title 3">
             <a:extLst>
               <a:ext uri="{FF2B5EF4-FFF2-40B4-BE49-F238E27FC236}">
-                <a16:creationId xmlns:a16="http://schemas.microsoft.com/office/drawing/2014/main" id="{E7F12AF2-20F0-8EAF-98F4-53D0B26A625D}"/>
+                <a16:creationId xmlns:a16="http://schemas.microsoft.com/office/drawing/2014/main" xmlns="" id="{E7F12AF2-20F0-8EAF-98F4-53D0B26A625D}"/>
               </a:ext>
             </a:extLst>
           </p:cNvPr>
@@ -8195,7 +8350,7 @@
           <p:cNvPr id="5" name="Picture 5" descr="A screenshot of a computer&#10;&#10;Description automatically generated">
             <a:extLst>
               <a:ext uri="{FF2B5EF4-FFF2-40B4-BE49-F238E27FC236}">
-                <a16:creationId xmlns:a16="http://schemas.microsoft.com/office/drawing/2014/main" id="{D970B96F-ACAE-B1EB-4D65-745E92C1EEDC}"/>
+                <a16:creationId xmlns:a16="http://schemas.microsoft.com/office/drawing/2014/main" xmlns="" id="{D970B96F-ACAE-B1EB-4D65-745E92C1EEDC}"/>
               </a:ext>
             </a:extLst>
           </p:cNvPr>
@@ -8223,13 +8378,20 @@
     </p:spTree>
     <p:extLst>
       <p:ext uri="{BB962C8B-B14F-4D97-AF65-F5344CB8AC3E}">
-        <p14:creationId xmlns:p14="http://schemas.microsoft.com/office/powerpoint/2010/main" val="1585564512"/>
+        <p14:creationId xmlns:p14="http://schemas.microsoft.com/office/powerpoint/2010/main" xmlns="" val="1585564512"/>
       </p:ext>
     </p:extLst>
   </p:cSld>
   <p:clrMapOvr>
     <a:masterClrMapping/>
   </p:clrMapOvr>
+  <p:timing>
+    <p:tnLst>
+      <p:par>
+        <p:cTn id="1" dur="indefinite" restart="never" nodeType="tmRoot"/>
+      </p:par>
+    </p:tnLst>
+  </p:timing>
 </p:sld>
 </file>
 
@@ -8255,7 +8417,7 @@
           <p:cNvPr id="9" name="Title 1">
             <a:extLst>
               <a:ext uri="{FF2B5EF4-FFF2-40B4-BE49-F238E27FC236}">
-                <a16:creationId xmlns:a16="http://schemas.microsoft.com/office/drawing/2014/main" id="{619A4D5D-5BF9-5A02-786B-46159EB6714A}"/>
+                <a16:creationId xmlns:a16="http://schemas.microsoft.com/office/drawing/2014/main" xmlns="" id="{619A4D5D-5BF9-5A02-786B-46159EB6714A}"/>
               </a:ext>
             </a:extLst>
           </p:cNvPr>
@@ -8288,7 +8450,7 @@
           <p:cNvPr id="11" name="Text Placeholder 2">
             <a:extLst>
               <a:ext uri="{FF2B5EF4-FFF2-40B4-BE49-F238E27FC236}">
-                <a16:creationId xmlns:a16="http://schemas.microsoft.com/office/drawing/2014/main" id="{108510A7-4770-8609-7B6B-5584DB6D860F}"/>
+                <a16:creationId xmlns:a16="http://schemas.microsoft.com/office/drawing/2014/main" xmlns="" id="{108510A7-4770-8609-7B6B-5584DB6D860F}"/>
               </a:ext>
             </a:extLst>
           </p:cNvPr>
@@ -8331,13 +8493,20 @@
     </p:spTree>
     <p:extLst>
       <p:ext uri="{BB962C8B-B14F-4D97-AF65-F5344CB8AC3E}">
-        <p14:creationId xmlns:p14="http://schemas.microsoft.com/office/powerpoint/2010/main" val="882548400"/>
+        <p14:creationId xmlns:p14="http://schemas.microsoft.com/office/powerpoint/2010/main" xmlns="" val="882548400"/>
       </p:ext>
     </p:extLst>
   </p:cSld>
   <p:clrMapOvr>
     <a:masterClrMapping/>
   </p:clrMapOvr>
+  <p:timing>
+    <p:tnLst>
+      <p:par>
+        <p:cTn id="1" dur="indefinite" restart="never" nodeType="tmRoot"/>
+      </p:par>
+    </p:tnLst>
+  </p:timing>
 </p:sld>
 </file>
 
@@ -8363,7 +8532,7 @@
           <p:cNvPr id="4" name="Title 3">
             <a:extLst>
               <a:ext uri="{FF2B5EF4-FFF2-40B4-BE49-F238E27FC236}">
-                <a16:creationId xmlns:a16="http://schemas.microsoft.com/office/drawing/2014/main" id="{E7F12AF2-20F0-8EAF-98F4-53D0B26A625D}"/>
+                <a16:creationId xmlns:a16="http://schemas.microsoft.com/office/drawing/2014/main" xmlns="" id="{E7F12AF2-20F0-8EAF-98F4-53D0B26A625D}"/>
               </a:ext>
             </a:extLst>
           </p:cNvPr>
@@ -8398,7 +8567,7 @@
           <p:cNvPr id="12" name="Content Placeholder 2">
             <a:extLst>
               <a:ext uri="{FF2B5EF4-FFF2-40B4-BE49-F238E27FC236}">
-                <a16:creationId xmlns:a16="http://schemas.microsoft.com/office/drawing/2014/main" id="{6A3C1D7C-9C67-1DE4-4B4F-61DA4400B734}"/>
+                <a16:creationId xmlns:a16="http://schemas.microsoft.com/office/drawing/2014/main" xmlns="" id="{6A3C1D7C-9C67-1DE4-4B4F-61DA4400B734}"/>
               </a:ext>
             </a:extLst>
           </p:cNvPr>
@@ -8543,7 +8712,7 @@
           <p:cNvPr id="3" name="Picture 4" descr="A screen shot of a computer code&#10;&#10;Description automatically generated">
             <a:extLst>
               <a:ext uri="{FF2B5EF4-FFF2-40B4-BE49-F238E27FC236}">
-                <a16:creationId xmlns:a16="http://schemas.microsoft.com/office/drawing/2014/main" id="{3D81066C-5531-116E-A1DF-12A3DF4AF7B9}"/>
+                <a16:creationId xmlns:a16="http://schemas.microsoft.com/office/drawing/2014/main" xmlns="" id="{3D81066C-5531-116E-A1DF-12A3DF4AF7B9}"/>
               </a:ext>
             </a:extLst>
           </p:cNvPr>
@@ -8573,7 +8742,7 @@
           <p:cNvPr id="5" name="Picture 5" descr="A computer screen shot of a program code&#10;&#10;Description automatically generated">
             <a:extLst>
               <a:ext uri="{FF2B5EF4-FFF2-40B4-BE49-F238E27FC236}">
-                <a16:creationId xmlns:a16="http://schemas.microsoft.com/office/drawing/2014/main" id="{292FBCBF-82B2-EBB4-ACC4-440BF590E2D9}"/>
+                <a16:creationId xmlns:a16="http://schemas.microsoft.com/office/drawing/2014/main" xmlns="" id="{292FBCBF-82B2-EBB4-ACC4-440BF590E2D9}"/>
               </a:ext>
             </a:extLst>
           </p:cNvPr>
@@ -8601,13 +8770,96 @@
     </p:spTree>
     <p:extLst>
       <p:ext uri="{BB962C8B-B14F-4D97-AF65-F5344CB8AC3E}">
-        <p14:creationId xmlns:p14="http://schemas.microsoft.com/office/powerpoint/2010/main" val="1559456331"/>
+        <p14:creationId xmlns:p14="http://schemas.microsoft.com/office/powerpoint/2010/main" xmlns="" val="1559456331"/>
       </p:ext>
     </p:extLst>
   </p:cSld>
   <p:clrMapOvr>
     <a:masterClrMapping/>
   </p:clrMapOvr>
+  <p:timing>
+    <p:tnLst>
+      <p:par>
+        <p:cTn id="1" dur="indefinite" restart="never" nodeType="tmRoot"/>
+      </p:par>
+    </p:tnLst>
+  </p:timing>
+</p:sld>
+</file>
+
+<file path=ppt/slides/slide14.xml><?xml version="1.0" encoding="utf-8"?>
+<p:sld xmlns:a="http://schemas.openxmlformats.org/drawingml/2006/main" xmlns:r="http://schemas.openxmlformats.org/officeDocument/2006/relationships" xmlns:p="http://schemas.openxmlformats.org/presentationml/2006/main">
+  <p:cSld>
+    <p:spTree>
+      <p:nvGrpSpPr>
+        <p:cNvPr id="1" name=""/>
+        <p:cNvGrpSpPr/>
+        <p:nvPr/>
+      </p:nvGrpSpPr>
+      <p:grpSpPr>
+        <a:xfrm>
+          <a:off x="0" y="0"/>
+          <a:ext cx="0" cy="0"/>
+          <a:chOff x="0" y="0"/>
+          <a:chExt cx="0" cy="0"/>
+        </a:xfrm>
+      </p:grpSpPr>
+      <p:sp>
+        <p:nvSpPr>
+          <p:cNvPr id="9" name="Title 1">
+            <a:extLst>
+              <a:ext uri="{FF2B5EF4-FFF2-40B4-BE49-F238E27FC236}">
+                <a16:creationId xmlns:a16="http://schemas.microsoft.com/office/drawing/2014/main" xmlns="" id="{619A4D5D-5BF9-5A02-786B-46159EB6714A}"/>
+              </a:ext>
+            </a:extLst>
+          </p:cNvPr>
+          <p:cNvSpPr>
+            <a:spLocks noGrp="1"/>
+          </p:cNvSpPr>
+          <p:nvPr>
+            <p:ph type="title"/>
+          </p:nvPr>
+        </p:nvSpPr>
+        <p:spPr>
+          <a:xfrm>
+            <a:off x="0" y="1221261"/>
+            <a:ext cx="12192000" cy="1390134"/>
+          </a:xfrm>
+        </p:spPr>
+        <p:txBody>
+          <a:bodyPr/>
+          <a:lstStyle/>
+          <a:p>
+            <a:pPr algn="ctr"/>
+            <a:r>
+              <a:rPr lang="en-US" dirty="0" err="1" smtClean="0"/>
+              <a:t>Multumesc</a:t>
+            </a:r>
+            <a:r>
+              <a:rPr lang="en-US" dirty="0" smtClean="0"/>
+              <a:t>!</a:t>
+            </a:r>
+            <a:endParaRPr lang="en-US" dirty="0" err="1"/>
+          </a:p>
+        </p:txBody>
+      </p:sp>
+    </p:spTree>
+    <p:extLst>
+      <p:ext uri="{BB962C8B-B14F-4D97-AF65-F5344CB8AC3E}">
+        <p14:creationId xmlns:p14="http://schemas.microsoft.com/office/powerpoint/2010/main" xmlns="" val="882548400"/>
+      </p:ext>
+    </p:extLst>
+  </p:cSld>
+  <p:clrMapOvr>
+    <a:masterClrMapping/>
+  </p:clrMapOvr>
+  <p:timing>
+    <p:tnLst>
+      <p:par>
+        <p:cTn id="1" dur="indefinite" restart="never" nodeType="tmRoot"/>
+      </p:par>
+    </p:tnLst>
+  </p:timing>
 </p:sld>
 </file>
 
@@ -8633,7 +8885,7 @@
           <p:cNvPr id="83" name="Title 1">
             <a:extLst>
               <a:ext uri="{FF2B5EF4-FFF2-40B4-BE49-F238E27FC236}">
-                <a16:creationId xmlns:a16="http://schemas.microsoft.com/office/drawing/2014/main" id="{3CD68D0C-62FE-7B07-7DD0-C2677EF64809}"/>
+                <a16:creationId xmlns:a16="http://schemas.microsoft.com/office/drawing/2014/main" xmlns="" id="{3CD68D0C-62FE-7B07-7DD0-C2677EF64809}"/>
               </a:ext>
             </a:extLst>
           </p:cNvPr>
@@ -8666,7 +8918,7 @@
           <p:cNvPr id="3" name="Picture 3" descr="A diagram of a computer program&#10;&#10;Description automatically generated">
             <a:extLst>
               <a:ext uri="{FF2B5EF4-FFF2-40B4-BE49-F238E27FC236}">
-                <a16:creationId xmlns:a16="http://schemas.microsoft.com/office/drawing/2014/main" id="{A909B87A-699F-0A8B-0610-0CBED9309764}"/>
+                <a16:creationId xmlns:a16="http://schemas.microsoft.com/office/drawing/2014/main" xmlns="" id="{A909B87A-699F-0A8B-0610-0CBED9309764}"/>
               </a:ext>
             </a:extLst>
           </p:cNvPr>
@@ -8694,13 +8946,20 @@
     </p:spTree>
     <p:extLst>
       <p:ext uri="{BB962C8B-B14F-4D97-AF65-F5344CB8AC3E}">
-        <p14:creationId xmlns:p14="http://schemas.microsoft.com/office/powerpoint/2010/main" val="2333881612"/>
+        <p14:creationId xmlns:p14="http://schemas.microsoft.com/office/powerpoint/2010/main" xmlns="" val="2333881612"/>
       </p:ext>
     </p:extLst>
   </p:cSld>
   <p:clrMapOvr>
     <a:masterClrMapping/>
   </p:clrMapOvr>
+  <p:timing>
+    <p:tnLst>
+      <p:par>
+        <p:cTn id="1" dur="indefinite" restart="never" nodeType="tmRoot"/>
+      </p:par>
+    </p:tnLst>
+  </p:timing>
 </p:sld>
 </file>
 
@@ -8726,7 +8985,7 @@
           <p:cNvPr id="83" name="Title 1">
             <a:extLst>
               <a:ext uri="{FF2B5EF4-FFF2-40B4-BE49-F238E27FC236}">
-                <a16:creationId xmlns:a16="http://schemas.microsoft.com/office/drawing/2014/main" id="{A4A03EEE-8879-C611-E695-A936F15EB6D6}"/>
+                <a16:creationId xmlns:a16="http://schemas.microsoft.com/office/drawing/2014/main" xmlns="" id="{A4A03EEE-8879-C611-E695-A936F15EB6D6}"/>
               </a:ext>
             </a:extLst>
           </p:cNvPr>
@@ -8759,7 +9018,7 @@
           <p:cNvPr id="2" name="Picture 2" descr="A diagram of a computer program&#10;&#10;Description automatically generated">
             <a:extLst>
               <a:ext uri="{FF2B5EF4-FFF2-40B4-BE49-F238E27FC236}">
-                <a16:creationId xmlns:a16="http://schemas.microsoft.com/office/drawing/2014/main" id="{7391DC0C-CBB8-1A8B-8051-243AF32BFF9F}"/>
+                <a16:creationId xmlns:a16="http://schemas.microsoft.com/office/drawing/2014/main" xmlns="" id="{7391DC0C-CBB8-1A8B-8051-243AF32BFF9F}"/>
               </a:ext>
             </a:extLst>
           </p:cNvPr>
@@ -8789,7 +9048,7 @@
           <p:cNvPr id="85" name="Content Placeholder 3">
             <a:extLst>
               <a:ext uri="{FF2B5EF4-FFF2-40B4-BE49-F238E27FC236}">
-                <a16:creationId xmlns:a16="http://schemas.microsoft.com/office/drawing/2014/main" id="{F5DF163C-CEFA-53B7-A297-A2DC3F0E17D1}"/>
+                <a16:creationId xmlns:a16="http://schemas.microsoft.com/office/drawing/2014/main" xmlns="" id="{F5DF163C-CEFA-53B7-A297-A2DC3F0E17D1}"/>
               </a:ext>
             </a:extLst>
           </p:cNvPr>
@@ -8909,13 +9168,20 @@
     </p:spTree>
     <p:extLst>
       <p:ext uri="{BB962C8B-B14F-4D97-AF65-F5344CB8AC3E}">
-        <p14:creationId xmlns:p14="http://schemas.microsoft.com/office/powerpoint/2010/main" val="1306782198"/>
+        <p14:creationId xmlns:p14="http://schemas.microsoft.com/office/powerpoint/2010/main" xmlns="" val="1306782198"/>
       </p:ext>
     </p:extLst>
   </p:cSld>
   <p:clrMapOvr>
     <a:masterClrMapping/>
   </p:clrMapOvr>
+  <p:timing>
+    <p:tnLst>
+      <p:par>
+        <p:cTn id="1" dur="indefinite" restart="never" nodeType="tmRoot"/>
+      </p:par>
+    </p:tnLst>
+  </p:timing>
 </p:sld>
 </file>
 
@@ -8941,7 +9207,7 @@
           <p:cNvPr id="83" name="Title 1">
             <a:extLst>
               <a:ext uri="{FF2B5EF4-FFF2-40B4-BE49-F238E27FC236}">
-                <a16:creationId xmlns:a16="http://schemas.microsoft.com/office/drawing/2014/main" id="{B1B1A2E3-784F-123A-FA8B-0084DFAD58D3}"/>
+                <a16:creationId xmlns:a16="http://schemas.microsoft.com/office/drawing/2014/main" xmlns="" id="{B1B1A2E3-784F-123A-FA8B-0084DFAD58D3}"/>
               </a:ext>
             </a:extLst>
           </p:cNvPr>
@@ -8978,7 +9244,7 @@
           <p:cNvPr id="2" name="Picture 2" descr="A diagram of a computer program&#10;&#10;Description automatically generated">
             <a:extLst>
               <a:ext uri="{FF2B5EF4-FFF2-40B4-BE49-F238E27FC236}">
-                <a16:creationId xmlns:a16="http://schemas.microsoft.com/office/drawing/2014/main" id="{E526BDC1-D410-6650-F21A-7EA81133F74B}"/>
+                <a16:creationId xmlns:a16="http://schemas.microsoft.com/office/drawing/2014/main" xmlns="" id="{E526BDC1-D410-6650-F21A-7EA81133F74B}"/>
               </a:ext>
             </a:extLst>
           </p:cNvPr>
@@ -9008,7 +9274,7 @@
           <p:cNvPr id="85" name="Content Placeholder 3">
             <a:extLst>
               <a:ext uri="{FF2B5EF4-FFF2-40B4-BE49-F238E27FC236}">
-                <a16:creationId xmlns:a16="http://schemas.microsoft.com/office/drawing/2014/main" id="{40C7D502-CE14-917F-89E9-D17DC9219E35}"/>
+                <a16:creationId xmlns:a16="http://schemas.microsoft.com/office/drawing/2014/main" xmlns="" id="{40C7D502-CE14-917F-89E9-D17DC9219E35}"/>
               </a:ext>
             </a:extLst>
           </p:cNvPr>
@@ -9077,13 +9343,20 @@
     </p:spTree>
     <p:extLst>
       <p:ext uri="{BB962C8B-B14F-4D97-AF65-F5344CB8AC3E}">
-        <p14:creationId xmlns:p14="http://schemas.microsoft.com/office/powerpoint/2010/main" val="1780216572"/>
+        <p14:creationId xmlns:p14="http://schemas.microsoft.com/office/powerpoint/2010/main" xmlns="" val="1780216572"/>
       </p:ext>
     </p:extLst>
   </p:cSld>
   <p:clrMapOvr>
     <a:masterClrMapping/>
   </p:clrMapOvr>
+  <p:timing>
+    <p:tnLst>
+      <p:par>
+        <p:cTn id="1" dur="indefinite" restart="never" nodeType="tmRoot"/>
+      </p:par>
+    </p:tnLst>
+  </p:timing>
 </p:sld>
 </file>
 
@@ -9109,7 +9382,7 @@
           <p:cNvPr id="83" name="Title 1">
             <a:extLst>
               <a:ext uri="{FF2B5EF4-FFF2-40B4-BE49-F238E27FC236}">
-                <a16:creationId xmlns:a16="http://schemas.microsoft.com/office/drawing/2014/main" id="{F5BFF591-E079-046B-03C2-27B6BC034855}"/>
+                <a16:creationId xmlns:a16="http://schemas.microsoft.com/office/drawing/2014/main" xmlns="" id="{F5BFF591-E079-046B-03C2-27B6BC034855}"/>
               </a:ext>
             </a:extLst>
           </p:cNvPr>
@@ -9150,7 +9423,7 @@
           <p:cNvPr id="2" name="Picture 2" descr="A diagram of a computer program&#10;&#10;Description automatically generated">
             <a:extLst>
               <a:ext uri="{FF2B5EF4-FFF2-40B4-BE49-F238E27FC236}">
-                <a16:creationId xmlns:a16="http://schemas.microsoft.com/office/drawing/2014/main" id="{EF2A27D5-52C1-88EA-FF53-AF507DE870A7}"/>
+                <a16:creationId xmlns:a16="http://schemas.microsoft.com/office/drawing/2014/main" xmlns="" id="{EF2A27D5-52C1-88EA-FF53-AF507DE870A7}"/>
               </a:ext>
             </a:extLst>
           </p:cNvPr>
@@ -9180,7 +9453,7 @@
           <p:cNvPr id="85" name="Content Placeholder 3">
             <a:extLst>
               <a:ext uri="{FF2B5EF4-FFF2-40B4-BE49-F238E27FC236}">
-                <a16:creationId xmlns:a16="http://schemas.microsoft.com/office/drawing/2014/main" id="{1D393ED6-DF4A-480C-D099-91C02FE41B73}"/>
+                <a16:creationId xmlns:a16="http://schemas.microsoft.com/office/drawing/2014/main" xmlns="" id="{1D393ED6-DF4A-480C-D099-91C02FE41B73}"/>
               </a:ext>
             </a:extLst>
           </p:cNvPr>
@@ -9272,13 +9545,20 @@
     </p:spTree>
     <p:extLst>
       <p:ext uri="{BB962C8B-B14F-4D97-AF65-F5344CB8AC3E}">
-        <p14:creationId xmlns:p14="http://schemas.microsoft.com/office/powerpoint/2010/main" val="1597273142"/>
+        <p14:creationId xmlns:p14="http://schemas.microsoft.com/office/powerpoint/2010/main" xmlns="" val="1597273142"/>
       </p:ext>
     </p:extLst>
   </p:cSld>
   <p:clrMapOvr>
     <a:masterClrMapping/>
   </p:clrMapOvr>
+  <p:timing>
+    <p:tnLst>
+      <p:par>
+        <p:cTn id="1" dur="indefinite" restart="never" nodeType="tmRoot"/>
+      </p:par>
+    </p:tnLst>
+  </p:timing>
 </p:sld>
 </file>
 
@@ -9304,7 +9584,7 @@
           <p:cNvPr id="83" name="Title 1">
             <a:extLst>
               <a:ext uri="{FF2B5EF4-FFF2-40B4-BE49-F238E27FC236}">
-                <a16:creationId xmlns:a16="http://schemas.microsoft.com/office/drawing/2014/main" id="{792B86C8-F102-0502-A5A2-CE617533D42A}"/>
+                <a16:creationId xmlns:a16="http://schemas.microsoft.com/office/drawing/2014/main" xmlns="" id="{792B86C8-F102-0502-A5A2-CE617533D42A}"/>
               </a:ext>
             </a:extLst>
           </p:cNvPr>
@@ -9337,7 +9617,7 @@
           <p:cNvPr id="2" name="Picture 2" descr="A diagram of a computer program&#10;&#10;Description automatically generated">
             <a:extLst>
               <a:ext uri="{FF2B5EF4-FFF2-40B4-BE49-F238E27FC236}">
-                <a16:creationId xmlns:a16="http://schemas.microsoft.com/office/drawing/2014/main" id="{CF679C2B-E52B-EC36-B50D-1A46DF24CD11}"/>
+                <a16:creationId xmlns:a16="http://schemas.microsoft.com/office/drawing/2014/main" xmlns="" id="{CF679C2B-E52B-EC36-B50D-1A46DF24CD11}"/>
               </a:ext>
             </a:extLst>
           </p:cNvPr>
@@ -9367,7 +9647,7 @@
           <p:cNvPr id="85" name="Content Placeholder 3">
             <a:extLst>
               <a:ext uri="{FF2B5EF4-FFF2-40B4-BE49-F238E27FC236}">
-                <a16:creationId xmlns:a16="http://schemas.microsoft.com/office/drawing/2014/main" id="{458260B1-BC0A-40F4-55BF-8BD14E086981}"/>
+                <a16:creationId xmlns:a16="http://schemas.microsoft.com/office/drawing/2014/main" xmlns="" id="{458260B1-BC0A-40F4-55BF-8BD14E086981}"/>
               </a:ext>
             </a:extLst>
           </p:cNvPr>
@@ -9434,13 +9714,20 @@
     </p:spTree>
     <p:extLst>
       <p:ext uri="{BB962C8B-B14F-4D97-AF65-F5344CB8AC3E}">
-        <p14:creationId xmlns:p14="http://schemas.microsoft.com/office/powerpoint/2010/main" val="1183067374"/>
+        <p14:creationId xmlns:p14="http://schemas.microsoft.com/office/powerpoint/2010/main" xmlns="" val="1183067374"/>
       </p:ext>
     </p:extLst>
   </p:cSld>
   <p:clrMapOvr>
     <a:masterClrMapping/>
   </p:clrMapOvr>
+  <p:timing>
+    <p:tnLst>
+      <p:par>
+        <p:cTn id="1" dur="indefinite" restart="never" nodeType="tmRoot"/>
+      </p:par>
+    </p:tnLst>
+  </p:timing>
 </p:sld>
 </file>
 
@@ -9466,7 +9753,7 @@
           <p:cNvPr id="83" name="Title 1">
             <a:extLst>
               <a:ext uri="{FF2B5EF4-FFF2-40B4-BE49-F238E27FC236}">
-                <a16:creationId xmlns:a16="http://schemas.microsoft.com/office/drawing/2014/main" id="{EE1B3D72-4FAE-0046-8F8E-C5AFBEBABE3B}"/>
+                <a16:creationId xmlns:a16="http://schemas.microsoft.com/office/drawing/2014/main" xmlns="" id="{EE1B3D72-4FAE-0046-8F8E-C5AFBEBABE3B}"/>
               </a:ext>
             </a:extLst>
           </p:cNvPr>
@@ -9499,7 +9786,7 @@
           <p:cNvPr id="2" name="Picture 2" descr="A diagram of a computer program&#10;&#10;Description automatically generated">
             <a:extLst>
               <a:ext uri="{FF2B5EF4-FFF2-40B4-BE49-F238E27FC236}">
-                <a16:creationId xmlns:a16="http://schemas.microsoft.com/office/drawing/2014/main" id="{9DE4E543-0067-8A43-E9DB-2354A118CA73}"/>
+                <a16:creationId xmlns:a16="http://schemas.microsoft.com/office/drawing/2014/main" xmlns="" id="{9DE4E543-0067-8A43-E9DB-2354A118CA73}"/>
               </a:ext>
             </a:extLst>
           </p:cNvPr>
@@ -9529,7 +9816,7 @@
           <p:cNvPr id="85" name="Content Placeholder 3">
             <a:extLst>
               <a:ext uri="{FF2B5EF4-FFF2-40B4-BE49-F238E27FC236}">
-                <a16:creationId xmlns:a16="http://schemas.microsoft.com/office/drawing/2014/main" id="{92061445-9D09-A382-D07A-9C8886F95B23}"/>
+                <a16:creationId xmlns:a16="http://schemas.microsoft.com/office/drawing/2014/main" xmlns="" id="{92061445-9D09-A382-D07A-9C8886F95B23}"/>
               </a:ext>
             </a:extLst>
           </p:cNvPr>
@@ -9638,13 +9925,20 @@
     </p:spTree>
     <p:extLst>
       <p:ext uri="{BB962C8B-B14F-4D97-AF65-F5344CB8AC3E}">
-        <p14:creationId xmlns:p14="http://schemas.microsoft.com/office/powerpoint/2010/main" val="3244960343"/>
+        <p14:creationId xmlns:p14="http://schemas.microsoft.com/office/powerpoint/2010/main" xmlns="" val="3244960343"/>
       </p:ext>
     </p:extLst>
   </p:cSld>
   <p:clrMapOvr>
     <a:masterClrMapping/>
   </p:clrMapOvr>
+  <p:timing>
+    <p:tnLst>
+      <p:par>
+        <p:cTn id="1" dur="indefinite" restart="never" nodeType="tmRoot"/>
+      </p:par>
+    </p:tnLst>
+  </p:timing>
 </p:sld>
 </file>
 
@@ -9670,7 +9964,7 @@
           <p:cNvPr id="90" name="Title 1">
             <a:extLst>
               <a:ext uri="{FF2B5EF4-FFF2-40B4-BE49-F238E27FC236}">
-                <a16:creationId xmlns:a16="http://schemas.microsoft.com/office/drawing/2014/main" id="{DD31E8E1-0A5C-510A-50AC-06A5245F7014}"/>
+                <a16:creationId xmlns:a16="http://schemas.microsoft.com/office/drawing/2014/main" xmlns="" id="{DD31E8E1-0A5C-510A-50AC-06A5245F7014}"/>
               </a:ext>
             </a:extLst>
           </p:cNvPr>
@@ -9711,7 +10005,7 @@
           <p:cNvPr id="2" name="Picture 2" descr="A diagram of a computer program&#10;&#10;Description automatically generated">
             <a:extLst>
               <a:ext uri="{FF2B5EF4-FFF2-40B4-BE49-F238E27FC236}">
-                <a16:creationId xmlns:a16="http://schemas.microsoft.com/office/drawing/2014/main" id="{15939F38-0570-B9D9-4B25-95AEEB756070}"/>
+                <a16:creationId xmlns:a16="http://schemas.microsoft.com/office/drawing/2014/main" xmlns="" id="{15939F38-0570-B9D9-4B25-95AEEB756070}"/>
               </a:ext>
             </a:extLst>
           </p:cNvPr>
@@ -9739,13 +10033,20 @@
     </p:spTree>
     <p:extLst>
       <p:ext uri="{BB962C8B-B14F-4D97-AF65-F5344CB8AC3E}">
-        <p14:creationId xmlns:p14="http://schemas.microsoft.com/office/powerpoint/2010/main" val="796419078"/>
+        <p14:creationId xmlns:p14="http://schemas.microsoft.com/office/powerpoint/2010/main" xmlns="" val="796419078"/>
       </p:ext>
     </p:extLst>
   </p:cSld>
   <p:clrMapOvr>
     <a:masterClrMapping/>
   </p:clrMapOvr>
+  <p:timing>
+    <p:tnLst>
+      <p:par>
+        <p:cTn id="1" dur="indefinite" restart="never" nodeType="tmRoot"/>
+      </p:par>
+    </p:tnLst>
+  </p:timing>
 </p:sld>
 </file>
 
@@ -9771,7 +10072,7 @@
           <p:cNvPr id="83" name="Title 1">
             <a:extLst>
               <a:ext uri="{FF2B5EF4-FFF2-40B4-BE49-F238E27FC236}">
-                <a16:creationId xmlns:a16="http://schemas.microsoft.com/office/drawing/2014/main" id="{0F771ED2-A38C-63E3-5094-971C2FB7CDC4}"/>
+                <a16:creationId xmlns:a16="http://schemas.microsoft.com/office/drawing/2014/main" xmlns="" id="{0F771ED2-A38C-63E3-5094-971C2FB7CDC4}"/>
               </a:ext>
             </a:extLst>
           </p:cNvPr>
@@ -9812,7 +10113,7 @@
           <p:cNvPr id="2" name="Picture 2" descr="A diagram of a computer program&#10;&#10;Description automatically generated">
             <a:extLst>
               <a:ext uri="{FF2B5EF4-FFF2-40B4-BE49-F238E27FC236}">
-                <a16:creationId xmlns:a16="http://schemas.microsoft.com/office/drawing/2014/main" id="{162E62D2-F8DA-CB05-2636-42DC19F13DC7}"/>
+                <a16:creationId xmlns:a16="http://schemas.microsoft.com/office/drawing/2014/main" xmlns="" id="{162E62D2-F8DA-CB05-2636-42DC19F13DC7}"/>
               </a:ext>
             </a:extLst>
           </p:cNvPr>
@@ -9842,7 +10143,7 @@
           <p:cNvPr id="85" name="Content Placeholder 3">
             <a:extLst>
               <a:ext uri="{FF2B5EF4-FFF2-40B4-BE49-F238E27FC236}">
-                <a16:creationId xmlns:a16="http://schemas.microsoft.com/office/drawing/2014/main" id="{1FD00A63-4496-A94B-6F0F-B30E1567F297}"/>
+                <a16:creationId xmlns:a16="http://schemas.microsoft.com/office/drawing/2014/main" xmlns="" id="{1FD00A63-4496-A94B-6F0F-B30E1567F297}"/>
               </a:ext>
             </a:extLst>
           </p:cNvPr>
@@ -9917,13 +10218,20 @@
     </p:spTree>
     <p:extLst>
       <p:ext uri="{BB962C8B-B14F-4D97-AF65-F5344CB8AC3E}">
-        <p14:creationId xmlns:p14="http://schemas.microsoft.com/office/powerpoint/2010/main" val="308686818"/>
+        <p14:creationId xmlns:p14="http://schemas.microsoft.com/office/powerpoint/2010/main" xmlns="" val="308686818"/>
       </p:ext>
     </p:extLst>
   </p:cSld>
   <p:clrMapOvr>
     <a:masterClrMapping/>
   </p:clrMapOvr>
+  <p:timing>
+    <p:tnLst>
+      <p:par>
+        <p:cTn id="1" dur="indefinite" restart="never" nodeType="tmRoot"/>
+      </p:par>
+    </p:tnLst>
+  </p:timing>
 </p:sld>
 </file>
 
@@ -9970,7 +10278,7 @@
     </a:clrScheme>
     <a:fontScheme name="Ion">
       <a:majorFont>
-        <a:latin typeface="Century Gothic" panose="020B0502020202020204"/>
+        <a:latin typeface="Century Gothic"/>
         <a:ea typeface=""/>
         <a:cs typeface=""/>
         <a:font script="Jpan" typeface="メイリオ"/>
@@ -10005,7 +10313,7 @@
         <a:font script="Geor" typeface="Sylfaen"/>
       </a:majorFont>
       <a:minorFont>
-        <a:latin typeface="Century Gothic" panose="020B0502020202020204"/>
+        <a:latin typeface="Century Gothic"/>
         <a:ea typeface=""/>
         <a:cs typeface=""/>
         <a:font script="Jpan" typeface="メイリオ"/>
@@ -10186,7 +10494,7 @@
   <a:extraClrSchemeLst/>
   <a:extLst>
     <a:ext uri="{05A4C25C-085E-4340-85A3-A5531E510DB2}">
-      <thm15:themeFamily xmlns:thm15="http://schemas.microsoft.com/office/thememl/2012/main" name="Office_50521671_TF78884036_Win32" id="{CEB6EF77-98C5-445A-8514-47E2F976677A}" vid="{F252FBE2-615B-4249-97E6-EB675440D9E9}"/>
+      <thm15:themeFamily xmlns:thm15="http://schemas.microsoft.com/office/thememl/2012/main" xmlns="" name="Office_50521671_TF78884036_Win32" id="{CEB6EF77-98C5-445A-8514-47E2F976677A}" vid="{F252FBE2-615B-4249-97E6-EB675440D9E9}"/>
     </a:ext>
   </a:extLst>
 </a:theme>
@@ -10235,7 +10543,7 @@
     </a:clrScheme>
     <a:fontScheme name="Office">
       <a:majorFont>
-        <a:latin typeface="Calibri Light" panose="020F0302020204030204"/>
+        <a:latin typeface="Calibri Light"/>
         <a:ea typeface=""/>
         <a:cs typeface=""/>
         <a:font script="Jpan" typeface="游ゴシック Light"/>
@@ -10287,7 +10595,7 @@
         <a:font script="Tfng" typeface="Ebrima"/>
       </a:majorFont>
       <a:minorFont>
-        <a:latin typeface="Calibri" panose="020F0502020204030204"/>
+        <a:latin typeface="Calibri"/>
         <a:ea typeface=""/>
         <a:cs typeface=""/>
         <a:font script="Jpan" typeface="游ゴシック"/>
@@ -10481,7 +10789,7 @@
   <a:extraClrSchemeLst/>
   <a:extLst>
     <a:ext uri="{05A4C25C-085E-4340-85A3-A5531E510DB2}">
-      <thm15:themeFamily xmlns:thm15="http://schemas.microsoft.com/office/thememl/2012/main" name="Office Theme" id="{62F939B6-93AF-4DB8-9C6B-D6C7DFDC589F}" vid="{4A3C46E8-61CC-4603-A589-7422A47A8E4A}"/>
+      <thm15:themeFamily xmlns:thm15="http://schemas.microsoft.com/office/thememl/2012/main" xmlns="" name="Office Theme" id="{62F939B6-93AF-4DB8-9C6B-D6C7DFDC589F}" vid="{4A3C46E8-61CC-4603-A589-7422A47A8E4A}"/>
     </a:ext>
   </a:extLst>
 </a:theme>
@@ -10530,7 +10838,7 @@
     </a:clrScheme>
     <a:fontScheme name="Office">
       <a:majorFont>
-        <a:latin typeface="Calibri Light" panose="020F0302020204030204"/>
+        <a:latin typeface="Calibri Light"/>
         <a:ea typeface=""/>
         <a:cs typeface=""/>
         <a:font script="Jpan" typeface="游ゴシック Light"/>
@@ -10582,7 +10890,7 @@
         <a:font script="Tfng" typeface="Ebrima"/>
       </a:majorFont>
       <a:minorFont>
-        <a:latin typeface="Calibri" panose="020F0502020204030204"/>
+        <a:latin typeface="Calibri"/>
         <a:ea typeface=""/>
         <a:cs typeface=""/>
         <a:font script="Jpan" typeface="游ゴシック"/>
@@ -10776,28 +11084,13 @@
   <a:extraClrSchemeLst/>
   <a:extLst>
     <a:ext uri="{05A4C25C-085E-4340-85A3-A5531E510DB2}">
-      <thm15:themeFamily xmlns:thm15="http://schemas.microsoft.com/office/thememl/2012/main" name="Office Theme" id="{62F939B6-93AF-4DB8-9C6B-D6C7DFDC589F}" vid="{4A3C46E8-61CC-4603-A589-7422A47A8E4A}"/>
+      <thm15:themeFamily xmlns:thm15="http://schemas.microsoft.com/office/thememl/2012/main" xmlns="" name="Office Theme" id="{62F939B6-93AF-4DB8-9C6B-D6C7DFDC589F}" vid="{4A3C46E8-61CC-4603-A589-7422A47A8E4A}"/>
     </a:ext>
   </a:extLst>
 </a:theme>
 </file>
 
 <file path=customXml/item1.xml><?xml version="1.0" encoding="utf-8"?>
-<p:properties xmlns:p="http://schemas.microsoft.com/office/2006/metadata/properties" xmlns:xsi="http://www.w3.org/2001/XMLSchema-instance" xmlns:pc="http://schemas.microsoft.com/office/infopath/2007/PartnerControls">
-  <documentManagement/>
-</p:properties>
-</file>
-
-<file path=customXml/item2.xml><?xml version="1.0" encoding="utf-8"?>
-<?mso-contentType ?>
-<FormTemplates xmlns="http://schemas.microsoft.com/sharepoint/v3/contenttype/forms">
-  <Display>DocumentLibraryForm</Display>
-  <Edit>DocumentLibraryForm</Edit>
-  <New>DocumentLibraryForm</New>
-</FormTemplates>
-</file>
-
-<file path=customXml/item3.xml><?xml version="1.0" encoding="utf-8"?>
 <ct:contentTypeSchema xmlns:ct="http://schemas.microsoft.com/office/2006/metadata/contentType" xmlns:ma="http://schemas.microsoft.com/office/2006/metadata/properties/metaAttributes" ct:_="" ma:_="" ma:contentTypeName="Document" ma:contentTypeID="0x0101007656FCD8796AA14F9DCDE8DD3D1F163D" ma:contentTypeVersion="0" ma:contentTypeDescription="Create a new document." ma:contentTypeScope="" ma:versionID="cf900728c21eb5ea4c3dc0f28476e6a2">
   <xsd:schema xmlns:xsd="http://www.w3.org/2001/XMLSchema" xmlns:xs="http://www.w3.org/2001/XMLSchema" xmlns:p="http://schemas.microsoft.com/office/2006/metadata/properties" targetNamespace="http://schemas.microsoft.com/office/2006/metadata/properties" ma:root="true" ma:fieldsID="ead37d9f3db024d9f5e9708397702803">
     <xsd:element name="properties">
@@ -10911,17 +11204,33 @@
 </ct:contentTypeSchema>
 </file>
 
+<file path=customXml/item2.xml><?xml version="1.0" encoding="utf-8"?>
+<?mso-contentType ?>
+<FormTemplates xmlns="http://schemas.microsoft.com/sharepoint/v3/contenttype/forms">
+  <Display>DocumentLibraryForm</Display>
+  <Edit>DocumentLibraryForm</Edit>
+  <New>DocumentLibraryForm</New>
+</FormTemplates>
+</file>
+
+<file path=customXml/item3.xml><?xml version="1.0" encoding="utf-8"?>
+<p:properties xmlns:p="http://schemas.microsoft.com/office/2006/metadata/properties" xmlns:xsi="http://www.w3.org/2001/XMLSchema-instance" xmlns:pc="http://schemas.microsoft.com/office/infopath/2007/PartnerControls">
+  <documentManagement/>
+</p:properties>
+</file>
+
 <file path=customXml/itemProps1.xml><?xml version="1.0" encoding="utf-8"?>
-<ds:datastoreItem xmlns:ds="http://schemas.openxmlformats.org/officeDocument/2006/customXml" ds:itemID="{048C88F1-1664-415F-AFCE-F6CF45809817}">
+<ds:datastoreItem xmlns:ds="http://schemas.openxmlformats.org/officeDocument/2006/customXml" ds:itemID="{FC3950DB-2E7B-4BFF-AB34-B1AECF77F306}">
   <ds:schemaRefs>
+    <ds:schemaRef ds:uri="http://schemas.microsoft.com/office/2006/metadata/contentType"/>
+    <ds:schemaRef ds:uri="http://schemas.microsoft.com/office/2006/metadata/properties/metaAttributes"/>
+    <ds:schemaRef ds:uri="http://www.w3.org/2001/XMLSchema"/>
+    <ds:schemaRef ds:uri="http://schemas.microsoft.com/office/2006/metadata/properties"/>
+    <ds:schemaRef ds:uri="http://schemas.openxmlformats.org/package/2006/metadata/core-properties"/>
+    <ds:schemaRef ds:uri="http://purl.org/dc/elements/1.1/"/>
     <ds:schemaRef ds:uri="http://purl.org/dc/terms/"/>
-    <ds:schemaRef ds:uri="http://purl.org/dc/elements/1.1/"/>
-    <ds:schemaRef ds:uri="http://schemas.microsoft.com/office/2006/documentManagement/types"/>
-    <ds:schemaRef ds:uri="http://purl.org/dc/dcmitype/"/>
-    <ds:schemaRef ds:uri="http://schemas.microsoft.com/office/2006/metadata/properties"/>
+    <ds:schemaRef ds:uri="http://schemas.microsoft.com/internal/obd"/>
     <ds:schemaRef ds:uri="http://schemas.microsoft.com/office/infopath/2007/PartnerControls"/>
-    <ds:schemaRef ds:uri="http://www.w3.org/XML/1998/namespace"/>
-    <ds:schemaRef ds:uri="http://schemas.openxmlformats.org/package/2006/metadata/core-properties"/>
   </ds:schemaRefs>
 </ds:datastoreItem>
 </file>
@@ -10935,17 +11244,16 @@
 </file>
 
 <file path=customXml/itemProps3.xml><?xml version="1.0" encoding="utf-8"?>
-<ds:datastoreItem xmlns:ds="http://schemas.openxmlformats.org/officeDocument/2006/customXml" ds:itemID="{FC3950DB-2E7B-4BFF-AB34-B1AECF77F306}">
+<ds:datastoreItem xmlns:ds="http://schemas.openxmlformats.org/officeDocument/2006/customXml" ds:itemID="{048C88F1-1664-415F-AFCE-F6CF45809817}">
   <ds:schemaRefs>
-    <ds:schemaRef ds:uri="http://schemas.microsoft.com/office/2006/metadata/contentType"/>
-    <ds:schemaRef ds:uri="http://schemas.microsoft.com/office/2006/metadata/properties/metaAttributes"/>
-    <ds:schemaRef ds:uri="http://www.w3.org/2001/XMLSchema"/>
+    <ds:schemaRef ds:uri="http://purl.org/dc/terms/"/>
+    <ds:schemaRef ds:uri="http://purl.org/dc/elements/1.1/"/>
+    <ds:schemaRef ds:uri="http://schemas.microsoft.com/office/2006/documentManagement/types"/>
+    <ds:schemaRef ds:uri="http://purl.org/dc/dcmitype/"/>
     <ds:schemaRef ds:uri="http://schemas.microsoft.com/office/2006/metadata/properties"/>
+    <ds:schemaRef ds:uri="http://schemas.microsoft.com/office/infopath/2007/PartnerControls"/>
+    <ds:schemaRef ds:uri="http://www.w3.org/XML/1998/namespace"/>
     <ds:schemaRef ds:uri="http://schemas.openxmlformats.org/package/2006/metadata/core-properties"/>
-    <ds:schemaRef ds:uri="http://purl.org/dc/elements/1.1/"/>
-    <ds:schemaRef ds:uri="http://purl.org/dc/terms/"/>
-    <ds:schemaRef ds:uri="http://schemas.microsoft.com/internal/obd"/>
-    <ds:schemaRef ds:uri="http://schemas.microsoft.com/office/infopath/2007/PartnerControls"/>
   </ds:schemaRefs>
 </ds:datastoreItem>
 </file>